--- a/1/R^2.pptx
+++ b/1/R^2.pptx
@@ -19,6 +19,7 @@
     <p:sldId id="269" r:id="rId13"/>
     <p:sldId id="258" r:id="rId14"/>
     <p:sldId id="271" r:id="rId15"/>
+    <p:sldId id="273" r:id="rId16"/>
   </p:sldIdLst>
   <p:sldSz cx="12192000" cy="6858000"/>
   <p:notesSz cx="6858000" cy="9144000"/>
@@ -117,6 +118,11 @@
       </a:defRPr>
     </a:lvl9pPr>
   </p:defaultTextStyle>
+  <p:extLst>
+    <p:ext uri="{EFAFB233-063F-42B5-8137-9DF3F51BA10A}">
+      <p15:sldGuideLst xmlns:p15="http://schemas.microsoft.com/office/powerpoint/2012/main"/>
+    </p:ext>
+  </p:extLst>
 </p:presentation>
 </file>
 
@@ -2248,7 +2254,37 @@
             <c:forward val="1"/>
             <c:backward val="1"/>
             <c:dispRSqr val="0"/>
-            <c:dispEq val="0"/>
+            <c:dispEq val="1"/>
+            <c:trendlineLbl>
+              <c:numFmt formatCode="General" sourceLinked="0"/>
+              <c:spPr>
+                <a:noFill/>
+                <a:ln>
+                  <a:noFill/>
+                </a:ln>
+                <a:effectLst/>
+              </c:spPr>
+              <c:txPr>
+                <a:bodyPr rot="0" spcFirstLastPara="1" vertOverflow="ellipsis" vert="horz" wrap="square" anchor="ctr" anchorCtr="1"/>
+                <a:lstStyle/>
+                <a:p>
+                  <a:pPr>
+                    <a:defRPr sz="1197" b="0" i="0" u="none" strike="noStrike" kern="1200" baseline="0">
+                      <a:solidFill>
+                        <a:schemeClr val="tx1">
+                          <a:lumMod val="65000"/>
+                          <a:lumOff val="35000"/>
+                        </a:schemeClr>
+                      </a:solidFill>
+                      <a:latin typeface="+mn-lt"/>
+                      <a:ea typeface="+mn-ea"/>
+                      <a:cs typeface="+mn-cs"/>
+                    </a:defRPr>
+                  </a:pPr>
+                  <a:endParaRPr lang="en-US"/>
+                </a:p>
+              </c:txPr>
+            </c:trendlineLbl>
           </c:trendline>
           <c:xVal>
             <c:numRef>
@@ -9620,8 +9656,8 @@
           <a:chExt cx="0" cy="0"/>
         </a:xfrm>
       </p:grpSpPr>
-      <mc:AlternateContent xmlns:mc="http://schemas.openxmlformats.org/markup-compatibility/2006">
-        <mc:Choice xmlns:a14="http://schemas.microsoft.com/office/drawing/2010/main" Requires="a14">
+      <mc:AlternateContent xmlns:mc="http://schemas.openxmlformats.org/markup-compatibility/2006" xmlns:a14="http://schemas.microsoft.com/office/drawing/2010/main">
+        <mc:Choice Requires="a14">
           <p:sp>
             <p:nvSpPr>
               <p:cNvPr id="2" name="Title 1">
@@ -9643,6 +9679,7 @@
               <a:bodyPr/>
               <a:lstStyle/>
               <a:p>
+                <a:pPr/>
                 <a14:m>
                   <m:oMathPara xmlns:m="http://schemas.openxmlformats.org/officeDocument/2006/math">
                     <m:oMathParaPr>
@@ -9682,7 +9719,7 @@
             </p:txBody>
           </p:sp>
         </mc:Choice>
-        <mc:Fallback>
+        <mc:Fallback xmlns="">
           <p:sp>
             <p:nvSpPr>
               <p:cNvPr id="2" name="Title 1">
@@ -9785,8 +9822,8 @@
           <a:chExt cx="0" cy="0"/>
         </a:xfrm>
       </p:grpSpPr>
-      <mc:AlternateContent xmlns:mc="http://schemas.openxmlformats.org/markup-compatibility/2006">
-        <mc:Choice xmlns:a14="http://schemas.microsoft.com/office/drawing/2010/main" Requires="a14">
+      <mc:AlternateContent xmlns:mc="http://schemas.openxmlformats.org/markup-compatibility/2006" xmlns:a14="http://schemas.microsoft.com/office/drawing/2010/main">
+        <mc:Choice Requires="a14">
           <p:graphicFrame>
             <p:nvGraphicFramePr>
               <p:cNvPr id="10" name="Table 10">
@@ -9872,6 +9909,7 @@
                         <a:bodyPr/>
                         <a:lstStyle/>
                         <a:p>
+                          <a:pPr/>
                           <a14:m>
                             <m:oMathPara xmlns:m="http://schemas.openxmlformats.org/officeDocument/2006/math">
                               <m:oMathParaPr>
@@ -10339,7 +10377,7 @@
             </a:graphic>
           </p:graphicFrame>
         </mc:Choice>
-        <mc:Fallback>
+        <mc:Fallback xmlns="">
           <p:graphicFrame>
             <p:nvGraphicFramePr>
               <p:cNvPr id="10" name="Table 10">
@@ -10947,8 +10985,8 @@
           </a:fontRef>
         </p:style>
       </p:cxnSp>
-      <mc:AlternateContent xmlns:mc="http://schemas.openxmlformats.org/markup-compatibility/2006">
-        <mc:Choice xmlns:a14="http://schemas.microsoft.com/office/drawing/2010/main" Requires="a14">
+      <mc:AlternateContent xmlns:mc="http://schemas.openxmlformats.org/markup-compatibility/2006" xmlns:a14="http://schemas.microsoft.com/office/drawing/2010/main">
+        <mc:Choice Requires="a14">
           <p:sp>
             <p:nvSpPr>
               <p:cNvPr id="21" name="TextBox 20">
@@ -10977,6 +11015,7 @@
               </a:bodyPr>
               <a:lstStyle/>
               <a:p>
+                <a:pPr/>
                 <a14:m>
                   <m:oMathPara xmlns:m="http://schemas.openxmlformats.org/officeDocument/2006/math">
                     <m:oMathParaPr>
@@ -11095,7 +11134,7 @@
             </p:txBody>
           </p:sp>
         </mc:Choice>
-        <mc:Fallback>
+        <mc:Fallback xmlns="">
           <p:sp>
             <p:nvSpPr>
               <p:cNvPr id="21" name="TextBox 20">
@@ -11209,8 +11248,8 @@
           <a:chExt cx="0" cy="0"/>
         </a:xfrm>
       </p:grpSpPr>
-      <mc:AlternateContent xmlns:mc="http://schemas.openxmlformats.org/markup-compatibility/2006">
-        <mc:Choice xmlns:a14="http://schemas.microsoft.com/office/drawing/2010/main" Requires="a14">
+      <mc:AlternateContent xmlns:mc="http://schemas.openxmlformats.org/markup-compatibility/2006" xmlns:a14="http://schemas.microsoft.com/office/drawing/2010/main">
+        <mc:Choice Requires="a14">
           <p:graphicFrame>
             <p:nvGraphicFramePr>
               <p:cNvPr id="10" name="Table 10">
@@ -11303,6 +11342,7 @@
                         <a:bodyPr/>
                         <a:lstStyle/>
                         <a:p>
+                          <a:pPr/>
                           <a14:m>
                             <m:oMathPara xmlns:m="http://schemas.openxmlformats.org/officeDocument/2006/math">
                               <m:oMathParaPr>
@@ -11340,6 +11380,7 @@
                         <a:bodyPr/>
                         <a:lstStyle/>
                         <a:p>
+                          <a:pPr/>
                           <a14:m>
                             <m:oMathPara xmlns:m="http://schemas.openxmlformats.org/officeDocument/2006/math">
                               <m:oMathParaPr>
@@ -12010,7 +12051,7 @@
             </a:graphic>
           </p:graphicFrame>
         </mc:Choice>
-        <mc:Fallback>
+        <mc:Fallback xmlns="">
           <p:graphicFrame>
             <p:nvGraphicFramePr>
               <p:cNvPr id="10" name="Table 10">
@@ -12797,8 +12838,8 @@
           </a:fontRef>
         </p:style>
       </p:cxnSp>
-      <mc:AlternateContent xmlns:mc="http://schemas.openxmlformats.org/markup-compatibility/2006">
-        <mc:Choice xmlns:a14="http://schemas.microsoft.com/office/drawing/2010/main" Requires="a14">
+      <mc:AlternateContent xmlns:mc="http://schemas.openxmlformats.org/markup-compatibility/2006" xmlns:a14="http://schemas.microsoft.com/office/drawing/2010/main">
+        <mc:Choice Requires="a14">
           <p:sp>
             <p:nvSpPr>
               <p:cNvPr id="21" name="TextBox 20">
@@ -12827,6 +12868,7 @@
               </a:bodyPr>
               <a:lstStyle/>
               <a:p>
+                <a:pPr/>
                 <a14:m>
                   <m:oMathPara xmlns:m="http://schemas.openxmlformats.org/officeDocument/2006/math">
                     <m:oMathParaPr>
@@ -12918,7 +12960,7 @@
             </p:txBody>
           </p:sp>
         </mc:Choice>
-        <mc:Fallback>
+        <mc:Fallback xmlns="">
           <p:sp>
             <p:nvSpPr>
               <p:cNvPr id="21" name="TextBox 20">
@@ -13002,8 +13044,8 @@
           </a:p>
         </p:txBody>
       </p:sp>
-      <mc:AlternateContent xmlns:mc="http://schemas.openxmlformats.org/markup-compatibility/2006">
-        <mc:Choice xmlns:a14="http://schemas.microsoft.com/office/drawing/2010/main" Requires="a14">
+      <mc:AlternateContent xmlns:mc="http://schemas.openxmlformats.org/markup-compatibility/2006" xmlns:a14="http://schemas.microsoft.com/office/drawing/2010/main">
+        <mc:Choice Requires="a14">
           <p:sp>
             <p:nvSpPr>
               <p:cNvPr id="5" name="Rectangle 4">
@@ -13031,6 +13073,7 @@
               </a:bodyPr>
               <a:lstStyle/>
               <a:p>
+                <a:pPr/>
                 <a14:m>
                   <m:oMathPara xmlns:m="http://schemas.openxmlformats.org/officeDocument/2006/math">
                     <m:oMathParaPr>
@@ -13099,6 +13142,7 @@
                     </m:oMath>
                   </m:oMathPara>
                 </a14:m>
+                <a:endParaRPr/>
               </a:p>
               <a:p>
                 <a:endParaRPr lang="en-GB" sz="1200" dirty="0">
@@ -13110,7 +13154,7 @@
             </p:txBody>
           </p:sp>
         </mc:Choice>
-        <mc:Fallback>
+        <mc:Fallback xmlns="">
           <p:sp>
             <p:nvSpPr>
               <p:cNvPr id="5" name="Rectangle 4">
@@ -13155,8 +13199,8 @@
           </p:sp>
         </mc:Fallback>
       </mc:AlternateContent>
-      <mc:AlternateContent xmlns:mc="http://schemas.openxmlformats.org/markup-compatibility/2006">
-        <mc:Choice xmlns:a14="http://schemas.microsoft.com/office/drawing/2010/main" Requires="a14">
+      <mc:AlternateContent xmlns:mc="http://schemas.openxmlformats.org/markup-compatibility/2006" xmlns:a14="http://schemas.microsoft.com/office/drawing/2010/main">
+        <mc:Choice Requires="a14">
           <p:sp>
             <p:nvSpPr>
               <p:cNvPr id="9" name="TextBox 8">
@@ -13185,6 +13229,7 @@
               </a:bodyPr>
               <a:lstStyle/>
               <a:p>
+                <a:pPr/>
                 <a14:m>
                   <m:oMathPara xmlns:m="http://schemas.openxmlformats.org/officeDocument/2006/math">
                     <m:oMathParaPr>
@@ -13230,7 +13275,7 @@
             </p:txBody>
           </p:sp>
         </mc:Choice>
-        <mc:Fallback>
+        <mc:Fallback xmlns="">
           <p:sp>
             <p:nvSpPr>
               <p:cNvPr id="9" name="TextBox 8">
@@ -13305,8 +13350,8 @@
           <a:chExt cx="0" cy="0"/>
         </a:xfrm>
       </p:grpSpPr>
-      <mc:AlternateContent xmlns:mc="http://schemas.openxmlformats.org/markup-compatibility/2006">
-        <mc:Choice xmlns:a14="http://schemas.microsoft.com/office/drawing/2010/main" Requires="a14">
+      <mc:AlternateContent xmlns:mc="http://schemas.openxmlformats.org/markup-compatibility/2006" xmlns:a14="http://schemas.microsoft.com/office/drawing/2010/main">
+        <mc:Choice Requires="a14">
           <p:graphicFrame>
             <p:nvGraphicFramePr>
               <p:cNvPr id="10" name="Table 10">
@@ -13393,6 +13438,7 @@
                         <a:bodyPr/>
                         <a:lstStyle/>
                         <a:p>
+                          <a:pPr/>
                           <a14:m>
                             <m:oMathPara xmlns:m="http://schemas.openxmlformats.org/officeDocument/2006/math">
                               <m:oMathParaPr>
@@ -13430,6 +13476,7 @@
                         <a:bodyPr/>
                         <a:lstStyle/>
                         <a:p>
+                          <a:pPr/>
                           <a14:m>
                             <m:oMathPara xmlns:m="http://schemas.openxmlformats.org/officeDocument/2006/math">
                               <m:oMathParaPr>
@@ -14100,7 +14147,7 @@
             </a:graphic>
           </p:graphicFrame>
         </mc:Choice>
-        <mc:Fallback>
+        <mc:Fallback xmlns="">
           <p:graphicFrame>
             <p:nvGraphicFramePr>
               <p:cNvPr id="10" name="Table 10">
@@ -14920,8 +14967,8 @@
           </a:p>
         </p:txBody>
       </p:sp>
-      <mc:AlternateContent xmlns:mc="http://schemas.openxmlformats.org/markup-compatibility/2006">
-        <mc:Choice xmlns:a14="http://schemas.microsoft.com/office/drawing/2010/main" Requires="a14">
+      <mc:AlternateContent xmlns:mc="http://schemas.openxmlformats.org/markup-compatibility/2006" xmlns:a14="http://schemas.microsoft.com/office/drawing/2010/main">
+        <mc:Choice Requires="a14">
           <p:sp>
             <p:nvSpPr>
               <p:cNvPr id="5" name="Rectangle 4">
@@ -14949,6 +14996,7 @@
               </a:bodyPr>
               <a:lstStyle/>
               <a:p>
+                <a:pPr/>
                 <a14:m>
                   <m:oMathPara xmlns:m="http://schemas.openxmlformats.org/officeDocument/2006/math">
                     <m:oMathParaPr>
@@ -15017,6 +15065,7 @@
                     </m:oMath>
                   </m:oMathPara>
                 </a14:m>
+                <a:endParaRPr/>
               </a:p>
               <a:p>
                 <a:endParaRPr lang="en-GB" sz="1200" dirty="0">
@@ -15028,7 +15077,7 @@
             </p:txBody>
           </p:sp>
         </mc:Choice>
-        <mc:Fallback>
+        <mc:Fallback xmlns="">
           <p:sp>
             <p:nvSpPr>
               <p:cNvPr id="5" name="Rectangle 4">
@@ -15073,8 +15122,8 @@
           </p:sp>
         </mc:Fallback>
       </mc:AlternateContent>
-      <mc:AlternateContent xmlns:mc="http://schemas.openxmlformats.org/markup-compatibility/2006">
-        <mc:Choice xmlns:a14="http://schemas.microsoft.com/office/drawing/2010/main" Requires="a14">
+      <mc:AlternateContent xmlns:mc="http://schemas.openxmlformats.org/markup-compatibility/2006" xmlns:a14="http://schemas.microsoft.com/office/drawing/2010/main">
+        <mc:Choice Requires="a14">
           <p:sp>
             <p:nvSpPr>
               <p:cNvPr id="9" name="TextBox 8">
@@ -15103,6 +15152,7 @@
               </a:bodyPr>
               <a:lstStyle/>
               <a:p>
+                <a:pPr/>
                 <a14:m>
                   <m:oMathPara xmlns:m="http://schemas.openxmlformats.org/officeDocument/2006/math">
                     <m:oMathParaPr>
@@ -15148,7 +15198,7 @@
             </p:txBody>
           </p:sp>
         </mc:Choice>
-        <mc:Fallback>
+        <mc:Fallback xmlns="">
           <p:sp>
             <p:nvSpPr>
               <p:cNvPr id="9" name="TextBox 8">
@@ -15701,8 +15751,8 @@
           <a:chExt cx="0" cy="0"/>
         </a:xfrm>
       </p:grpSpPr>
-      <mc:AlternateContent xmlns:mc="http://schemas.openxmlformats.org/markup-compatibility/2006">
-        <mc:Choice xmlns:a14="http://schemas.microsoft.com/office/drawing/2010/main" Requires="a14">
+      <mc:AlternateContent xmlns:mc="http://schemas.openxmlformats.org/markup-compatibility/2006" xmlns:a14="http://schemas.microsoft.com/office/drawing/2010/main">
+        <mc:Choice Requires="a14">
           <p:sp>
             <p:nvSpPr>
               <p:cNvPr id="2" name="Title 1">
@@ -15724,6 +15774,7 @@
               <a:bodyPr/>
               <a:lstStyle/>
               <a:p>
+                <a:pPr/>
                 <a14:m>
                   <m:oMathPara xmlns:m="http://schemas.openxmlformats.org/officeDocument/2006/math">
                     <m:oMathParaPr>
@@ -15763,7 +15814,7 @@
             </p:txBody>
           </p:sp>
         </mc:Choice>
-        <mc:Fallback>
+        <mc:Fallback xmlns="">
           <p:sp>
             <p:nvSpPr>
               <p:cNvPr id="2" name="Title 1">
@@ -16001,85 +16052,68 @@
                 <a:endParaRPr lang="en-GB" dirty="0"/>
               </a:p>
               <a:p>
-                <a:endParaRPr lang="en-GB" dirty="0"/>
-              </a:p>
-              <a:p>
-                <a:r>
-                  <a:rPr lang="en-GB" dirty="0"/>
-                  <a:t>Apakah </a:t>
-                </a:r>
                 <a14:m>
                   <m:oMath xmlns:m="http://schemas.openxmlformats.org/officeDocument/2006/math">
-                    <m:r>
-                      <a:rPr lang="en-GB" b="0" i="1" smtClean="0">
-                        <a:latin typeface="Cambria Math" panose="02040503050406030204" pitchFamily="18" charset="0"/>
-                      </a:rPr>
-                      <m:t>𝑅</m:t>
-                    </m:r>
-                    <m:r>
-                      <a:rPr lang="en-GB" b="0" i="1" smtClean="0">
-                        <a:latin typeface="Cambria Math" panose="02040503050406030204" pitchFamily="18" charset="0"/>
-                      </a:rPr>
-                      <m:t>=1</m:t>
-                    </m:r>
+                    <m:sSup>
+                      <m:sSupPr>
+                        <m:ctrlPr>
+                          <a:rPr lang="en-US" i="1">
+                            <a:latin typeface="Cambria Math" panose="02040503050406030204" pitchFamily="18" charset="0"/>
+                          </a:rPr>
+                        </m:ctrlPr>
+                      </m:sSupPr>
+                      <m:e>
+                        <m:r>
+                          <a:rPr lang="en-US" i="1">
+                            <a:latin typeface="Cambria Math" panose="02040503050406030204" pitchFamily="18" charset="0"/>
+                          </a:rPr>
+                          <m:t>𝑅</m:t>
+                        </m:r>
+                      </m:e>
+                      <m:sup>
+                        <m:r>
+                          <a:rPr lang="en-US" i="1">
+                            <a:latin typeface="Cambria Math" panose="02040503050406030204" pitchFamily="18" charset="0"/>
+                          </a:rPr>
+                          <m:t>2</m:t>
+                        </m:r>
+                      </m:sup>
+                    </m:sSup>
                   </m:oMath>
                 </a14:m>
                 <a:r>
-                  <a:rPr lang="en-GB" b="0" dirty="0"/>
+                  <a:rPr lang="en-US" dirty="0"/>
                   <a:t> </a:t>
                 </a:r>
                 <a:r>
-                  <a:rPr lang="en-GB" b="0" dirty="0" err="1"/>
-                  <a:t>dua</a:t>
+                  <a:rPr lang="en-US" dirty="0" err="1"/>
+                  <a:t>tinggi</a:t>
                 </a:r>
                 <a:r>
-                  <a:rPr lang="en-GB" b="0" dirty="0"/>
-                  <a:t> kali </a:t>
-                </a:r>
-                <a:r>
-                  <a:rPr lang="en-GB" b="0" dirty="0" err="1"/>
-                  <a:t>lebih</a:t>
-                </a:r>
-                <a:r>
-                  <a:rPr lang="en-GB" b="0" dirty="0"/>
+                  <a:rPr lang="en-US" dirty="0"/>
                   <a:t> </a:t>
                 </a:r>
                 <a:r>
-                  <a:rPr lang="en-GB" b="0" dirty="0" err="1"/>
-                  <a:t>baik</a:t>
+                  <a:rPr lang="en-US" dirty="0" err="1"/>
+                  <a:t>tidak</a:t>
                 </a:r>
                 <a:r>
-                  <a:rPr lang="en-GB" b="0" dirty="0"/>
+                  <a:rPr lang="en-US" dirty="0"/>
                   <a:t> </a:t>
                 </a:r>
                 <a:r>
-                  <a:rPr lang="en-GB" b="0" dirty="0" err="1"/>
-                  <a:t>dari</a:t>
+                  <a:rPr lang="en-US" dirty="0" err="1"/>
+                  <a:t>selamanya</a:t>
                 </a:r>
                 <a:r>
-                  <a:rPr lang="en-GB" b="0" dirty="0"/>
+                  <a:rPr lang="en-US" dirty="0"/>
                   <a:t> </a:t>
                 </a:r>
-                <a14:m>
-                  <m:oMath xmlns:m="http://schemas.openxmlformats.org/officeDocument/2006/math">
-                    <m:r>
-                      <a:rPr lang="en-GB" b="0" i="1" smtClean="0">
-                        <a:latin typeface="Cambria Math" panose="02040503050406030204" pitchFamily="18" charset="0"/>
-                      </a:rPr>
-                      <m:t>𝑅</m:t>
-                    </m:r>
-                    <m:r>
-                      <a:rPr lang="en-GB" b="0" i="1" smtClean="0">
-                        <a:latin typeface="Cambria Math" panose="02040503050406030204" pitchFamily="18" charset="0"/>
-                      </a:rPr>
-                      <m:t>=0.5</m:t>
-                    </m:r>
-                  </m:oMath>
-                </a14:m>
                 <a:r>
-                  <a:rPr lang="en-GB" b="0" dirty="0"/>
-                  <a:t> ?</a:t>
+                  <a:rPr lang="en-US" dirty="0" err="1"/>
+                  <a:t>bagus</a:t>
                 </a:r>
+                <a:endParaRPr lang="en-GB" dirty="0"/>
               </a:p>
             </p:txBody>
           </p:sp>
@@ -16114,7 +16148,7 @@
               <a:lstStyle/>
               <a:p>
                 <a:r>
-                  <a:rPr lang="en-GB">
+                  <a:rPr lang="en-US">
                     <a:noFill/>
                   </a:rPr>
                   <a:t> </a:t>
@@ -16128,6 +16162,342 @@
     <p:extLst>
       <p:ext uri="{BB962C8B-B14F-4D97-AF65-F5344CB8AC3E}">
         <p14:creationId xmlns:p14="http://schemas.microsoft.com/office/powerpoint/2010/main" val="2507967417"/>
+      </p:ext>
+    </p:extLst>
+  </p:cSld>
+  <p:clrMapOvr>
+    <a:masterClrMapping/>
+  </p:clrMapOvr>
+  <p:timing>
+    <p:tnLst>
+      <p:par>
+        <p:cTn id="1" dur="indefinite" restart="never" nodeType="tmRoot">
+          <p:childTnLst>
+            <p:seq concurrent="1" nextAc="seek">
+              <p:cTn id="2" dur="indefinite" nodeType="mainSeq">
+                <p:childTnLst>
+                  <p:par>
+                    <p:cTn id="3" fill="hold">
+                      <p:stCondLst>
+                        <p:cond delay="indefinite"/>
+                      </p:stCondLst>
+                      <p:childTnLst>
+                        <p:par>
+                          <p:cTn id="4" fill="hold">
+                            <p:stCondLst>
+                              <p:cond delay="0"/>
+                            </p:stCondLst>
+                            <p:childTnLst>
+                              <p:par>
+                                <p:cTn id="5" presetID="1" presetClass="entr" presetSubtype="0" fill="hold" nodeType="clickEffect">
+                                  <p:stCondLst>
+                                    <p:cond delay="0"/>
+                                  </p:stCondLst>
+                                  <p:childTnLst>
+                                    <p:set>
+                                      <p:cBhvr>
+                                        <p:cTn id="6" dur="1" fill="hold">
+                                          <p:stCondLst>
+                                            <p:cond delay="0"/>
+                                          </p:stCondLst>
+                                        </p:cTn>
+                                        <p:tgtEl>
+                                          <p:spTgt spid="3">
+                                            <p:txEl>
+                                              <p:pRg st="3" end="3"/>
+                                            </p:txEl>
+                                          </p:spTgt>
+                                        </p:tgtEl>
+                                        <p:attrNameLst>
+                                          <p:attrName>style.visibility</p:attrName>
+                                        </p:attrNameLst>
+                                      </p:cBhvr>
+                                      <p:to>
+                                        <p:strVal val="visible"/>
+                                      </p:to>
+                                    </p:set>
+                                  </p:childTnLst>
+                                </p:cTn>
+                              </p:par>
+                            </p:childTnLst>
+                          </p:cTn>
+                        </p:par>
+                      </p:childTnLst>
+                    </p:cTn>
+                  </p:par>
+                  <p:par>
+                    <p:cTn id="7" fill="hold">
+                      <p:stCondLst>
+                        <p:cond delay="indefinite"/>
+                      </p:stCondLst>
+                      <p:childTnLst>
+                        <p:par>
+                          <p:cTn id="8" fill="hold">
+                            <p:stCondLst>
+                              <p:cond delay="0"/>
+                            </p:stCondLst>
+                            <p:childTnLst>
+                              <p:par>
+                                <p:cTn id="9" presetID="1" presetClass="entr" presetSubtype="0" fill="hold" nodeType="clickEffect">
+                                  <p:stCondLst>
+                                    <p:cond delay="0"/>
+                                  </p:stCondLst>
+                                  <p:childTnLst>
+                                    <p:set>
+                                      <p:cBhvr>
+                                        <p:cTn id="10" dur="1" fill="hold">
+                                          <p:stCondLst>
+                                            <p:cond delay="0"/>
+                                          </p:stCondLst>
+                                        </p:cTn>
+                                        <p:tgtEl>
+                                          <p:spTgt spid="3">
+                                            <p:txEl>
+                                              <p:pRg st="4" end="4"/>
+                                            </p:txEl>
+                                          </p:spTgt>
+                                        </p:tgtEl>
+                                        <p:attrNameLst>
+                                          <p:attrName>style.visibility</p:attrName>
+                                        </p:attrNameLst>
+                                      </p:cBhvr>
+                                      <p:to>
+                                        <p:strVal val="visible"/>
+                                      </p:to>
+                                    </p:set>
+                                  </p:childTnLst>
+                                </p:cTn>
+                              </p:par>
+                            </p:childTnLst>
+                          </p:cTn>
+                        </p:par>
+                      </p:childTnLst>
+                    </p:cTn>
+                  </p:par>
+                </p:childTnLst>
+              </p:cTn>
+              <p:prevCondLst>
+                <p:cond evt="onPrev" delay="0">
+                  <p:tgtEl>
+                    <p:sldTgt/>
+                  </p:tgtEl>
+                </p:cond>
+              </p:prevCondLst>
+              <p:nextCondLst>
+                <p:cond evt="onNext" delay="0">
+                  <p:tgtEl>
+                    <p:sldTgt/>
+                  </p:tgtEl>
+                </p:cond>
+              </p:nextCondLst>
+            </p:seq>
+          </p:childTnLst>
+        </p:cTn>
+      </p:par>
+    </p:tnLst>
+  </p:timing>
+</p:sld>
+</file>
+
+<file path=ppt/slides/slide15.xml><?xml version="1.0" encoding="utf-8"?>
+<p:sld xmlns:a="http://schemas.openxmlformats.org/drawingml/2006/main" xmlns:r="http://schemas.openxmlformats.org/officeDocument/2006/relationships" xmlns:p="http://schemas.openxmlformats.org/presentationml/2006/main">
+  <p:cSld>
+    <p:spTree>
+      <p:nvGrpSpPr>
+        <p:cNvPr id="1" name=""/>
+        <p:cNvGrpSpPr/>
+        <p:nvPr/>
+      </p:nvGrpSpPr>
+      <p:grpSpPr>
+        <a:xfrm>
+          <a:off x="0" y="0"/>
+          <a:ext cx="0" cy="0"/>
+          <a:chOff x="0" y="0"/>
+          <a:chExt cx="0" cy="0"/>
+        </a:xfrm>
+      </p:grpSpPr>
+      <p:sp>
+        <p:nvSpPr>
+          <p:cNvPr id="2" name="Title 1">
+            <a:extLst>
+              <a:ext uri="{FF2B5EF4-FFF2-40B4-BE49-F238E27FC236}">
+                <a16:creationId xmlns:a16="http://schemas.microsoft.com/office/drawing/2014/main" id="{55D28380-82F1-482B-B456-429EA3D24127}"/>
+              </a:ext>
+            </a:extLst>
+          </p:cNvPr>
+          <p:cNvSpPr>
+            <a:spLocks noGrp="1"/>
+          </p:cNvSpPr>
+          <p:nvPr>
+            <p:ph type="title"/>
+          </p:nvPr>
+        </p:nvSpPr>
+        <p:spPr/>
+        <p:txBody>
+          <a:bodyPr/>
+          <a:lstStyle/>
+          <a:p>
+            <a:endParaRPr lang="en-US" dirty="0"/>
+          </a:p>
+        </p:txBody>
+      </p:sp>
+      <p:sp>
+        <p:nvSpPr>
+          <p:cNvPr id="3" name="Content Placeholder 2">
+            <a:extLst>
+              <a:ext uri="{FF2B5EF4-FFF2-40B4-BE49-F238E27FC236}">
+                <a16:creationId xmlns:a16="http://schemas.microsoft.com/office/drawing/2014/main" id="{3F297D1E-21CF-4DB7-9E8B-E5E9CF274727}"/>
+              </a:ext>
+            </a:extLst>
+          </p:cNvPr>
+          <p:cNvSpPr>
+            <a:spLocks noGrp="1"/>
+          </p:cNvSpPr>
+          <p:nvPr>
+            <p:ph idx="1"/>
+          </p:nvPr>
+        </p:nvSpPr>
+        <p:spPr/>
+        <p:txBody>
+          <a:bodyPr/>
+          <a:lstStyle/>
+          <a:p>
+            <a:endParaRPr lang="en-US"/>
+          </a:p>
+        </p:txBody>
+      </p:sp>
+      <p:pic>
+        <p:nvPicPr>
+          <p:cNvPr id="4" name="Picture 3">
+            <a:extLst>
+              <a:ext uri="{FF2B5EF4-FFF2-40B4-BE49-F238E27FC236}">
+                <a16:creationId xmlns:a16="http://schemas.microsoft.com/office/drawing/2014/main" id="{6E084A92-8E50-4496-87FB-ECC4A59EFA34}"/>
+              </a:ext>
+            </a:extLst>
+          </p:cNvPr>
+          <p:cNvPicPr>
+            <a:picLocks noChangeAspect="1"/>
+          </p:cNvPicPr>
+          <p:nvPr/>
+        </p:nvPicPr>
+        <p:blipFill rotWithShape="1">
+          <a:blip r:embed="rId2"/>
+          <a:srcRect l="27473" t="21883" r="32663" b="31160"/>
+          <a:stretch/>
+        </p:blipFill>
+        <p:spPr>
+          <a:xfrm>
+            <a:off x="247650" y="1502468"/>
+            <a:ext cx="5884450" cy="3898899"/>
+          </a:xfrm>
+          <a:prstGeom prst="rect">
+            <a:avLst/>
+          </a:prstGeom>
+        </p:spPr>
+      </p:pic>
+      <p:pic>
+        <p:nvPicPr>
+          <p:cNvPr id="5" name="Picture 4">
+            <a:extLst>
+              <a:ext uri="{FF2B5EF4-FFF2-40B4-BE49-F238E27FC236}">
+                <a16:creationId xmlns:a16="http://schemas.microsoft.com/office/drawing/2014/main" id="{4088C450-3AC7-488F-B705-1F6546D7EE68}"/>
+              </a:ext>
+            </a:extLst>
+          </p:cNvPr>
+          <p:cNvPicPr>
+            <a:picLocks noChangeAspect="1"/>
+          </p:cNvPicPr>
+          <p:nvPr/>
+        </p:nvPicPr>
+        <p:blipFill rotWithShape="1">
+          <a:blip r:embed="rId3"/>
+          <a:srcRect l="27535" t="28297" r="33009" b="24939"/>
+          <a:stretch/>
+        </p:blipFill>
+        <p:spPr>
+          <a:xfrm>
+            <a:off x="6176010" y="1502469"/>
+            <a:ext cx="5848350" cy="3898900"/>
+          </a:xfrm>
+          <a:prstGeom prst="rect">
+            <a:avLst/>
+          </a:prstGeom>
+        </p:spPr>
+      </p:pic>
+      <p:sp>
+        <p:nvSpPr>
+          <p:cNvPr id="6" name="TextBox 5">
+            <a:extLst>
+              <a:ext uri="{FF2B5EF4-FFF2-40B4-BE49-F238E27FC236}">
+                <a16:creationId xmlns:a16="http://schemas.microsoft.com/office/drawing/2014/main" id="{D3E0DC88-2FFC-4DF9-9598-B3051147EEBB}"/>
+              </a:ext>
+            </a:extLst>
+          </p:cNvPr>
+          <p:cNvSpPr txBox="1"/>
+          <p:nvPr/>
+        </p:nvSpPr>
+        <p:spPr>
+          <a:xfrm>
+            <a:off x="8608695" y="1133136"/>
+            <a:ext cx="982980" cy="369332"/>
+          </a:xfrm>
+          <a:prstGeom prst="rect">
+            <a:avLst/>
+          </a:prstGeom>
+          <a:noFill/>
+        </p:spPr>
+        <p:txBody>
+          <a:bodyPr wrap="square" rtlCol="0">
+            <a:spAutoFit/>
+          </a:bodyPr>
+          <a:lstStyle/>
+          <a:p>
+            <a:r>
+              <a:rPr lang="en-US" dirty="0"/>
+              <a:t>Residue</a:t>
+            </a:r>
+          </a:p>
+        </p:txBody>
+      </p:sp>
+      <p:sp>
+        <p:nvSpPr>
+          <p:cNvPr id="7" name="TextBox 6">
+            <a:extLst>
+              <a:ext uri="{FF2B5EF4-FFF2-40B4-BE49-F238E27FC236}">
+                <a16:creationId xmlns:a16="http://schemas.microsoft.com/office/drawing/2014/main" id="{DA75855A-6B8C-4EBE-8F28-B8BBE3C5AF29}"/>
+              </a:ext>
+            </a:extLst>
+          </p:cNvPr>
+          <p:cNvSpPr txBox="1"/>
+          <p:nvPr/>
+        </p:nvSpPr>
+        <p:spPr>
+          <a:xfrm>
+            <a:off x="2698384" y="1133136"/>
+            <a:ext cx="1382125" cy="369332"/>
+          </a:xfrm>
+          <a:prstGeom prst="rect">
+            <a:avLst/>
+          </a:prstGeom>
+          <a:noFill/>
+        </p:spPr>
+        <p:txBody>
+          <a:bodyPr wrap="square" rtlCol="0">
+            <a:spAutoFit/>
+          </a:bodyPr>
+          <a:lstStyle/>
+          <a:p>
+            <a:r>
+              <a:rPr lang="en-US" dirty="0"/>
+              <a:t>Fitted Line</a:t>
+            </a:r>
+          </a:p>
+        </p:txBody>
+      </p:sp>
+    </p:spTree>
+    <p:extLst>
+      <p:ext uri="{BB962C8B-B14F-4D97-AF65-F5344CB8AC3E}">
+        <p14:creationId xmlns:p14="http://schemas.microsoft.com/office/powerpoint/2010/main" val="3271315253"/>
       </p:ext>
     </p:extLst>
   </p:cSld>
@@ -16424,7 +16794,15 @@
                 </a:r>
                 <a:r>
                   <a:rPr lang="en-GB" dirty="0" err="1"/>
-                  <a:t>berlawanan</a:t>
+                  <a:t>berbanding</a:t>
+                </a:r>
+                <a:r>
+                  <a:rPr lang="en-GB" dirty="0"/>
+                  <a:t> </a:t>
+                </a:r>
+                <a:r>
+                  <a:rPr lang="en-GB" dirty="0" err="1"/>
+                  <a:t>terbalik</a:t>
                 </a:r>
                 <a:endParaRPr lang="en-GB" dirty="0"/>
               </a:p>
@@ -16629,7 +17007,7 @@
               <a:lstStyle/>
               <a:p>
                 <a:r>
-                  <a:rPr lang="en-GB">
+                  <a:rPr lang="en-US">
                     <a:noFill/>
                   </a:rPr>
                   <a:t> </a:t>
@@ -16649,6 +17027,379 @@
   <p:clrMapOvr>
     <a:masterClrMapping/>
   </p:clrMapOvr>
+  <p:timing>
+    <p:tnLst>
+      <p:par>
+        <p:cTn id="1" dur="indefinite" restart="never" nodeType="tmRoot">
+          <p:childTnLst>
+            <p:seq concurrent="1" nextAc="seek">
+              <p:cTn id="2" dur="indefinite" nodeType="mainSeq">
+                <p:childTnLst>
+                  <p:par>
+                    <p:cTn id="3" fill="hold">
+                      <p:stCondLst>
+                        <p:cond delay="indefinite"/>
+                      </p:stCondLst>
+                      <p:childTnLst>
+                        <p:par>
+                          <p:cTn id="4" fill="hold">
+                            <p:stCondLst>
+                              <p:cond delay="0"/>
+                            </p:stCondLst>
+                            <p:childTnLst>
+                              <p:par>
+                                <p:cTn id="5" presetID="1" presetClass="entr" presetSubtype="0" fill="hold" nodeType="clickEffect">
+                                  <p:stCondLst>
+                                    <p:cond delay="0"/>
+                                  </p:stCondLst>
+                                  <p:childTnLst>
+                                    <p:set>
+                                      <p:cBhvr>
+                                        <p:cTn id="6" dur="1" fill="hold">
+                                          <p:stCondLst>
+                                            <p:cond delay="0"/>
+                                          </p:stCondLst>
+                                        </p:cTn>
+                                        <p:tgtEl>
+                                          <p:spTgt spid="3">
+                                            <p:txEl>
+                                              <p:pRg st="1" end="1"/>
+                                            </p:txEl>
+                                          </p:spTgt>
+                                        </p:tgtEl>
+                                        <p:attrNameLst>
+                                          <p:attrName>style.visibility</p:attrName>
+                                        </p:attrNameLst>
+                                      </p:cBhvr>
+                                      <p:to>
+                                        <p:strVal val="visible"/>
+                                      </p:to>
+                                    </p:set>
+                                  </p:childTnLst>
+                                </p:cTn>
+                              </p:par>
+                            </p:childTnLst>
+                          </p:cTn>
+                        </p:par>
+                      </p:childTnLst>
+                    </p:cTn>
+                  </p:par>
+                  <p:par>
+                    <p:cTn id="7" fill="hold">
+                      <p:stCondLst>
+                        <p:cond delay="indefinite"/>
+                      </p:stCondLst>
+                      <p:childTnLst>
+                        <p:par>
+                          <p:cTn id="8" fill="hold">
+                            <p:stCondLst>
+                              <p:cond delay="0"/>
+                            </p:stCondLst>
+                            <p:childTnLst>
+                              <p:par>
+                                <p:cTn id="9" presetID="1" presetClass="entr" presetSubtype="0" fill="hold" nodeType="clickEffect">
+                                  <p:stCondLst>
+                                    <p:cond delay="0"/>
+                                  </p:stCondLst>
+                                  <p:childTnLst>
+                                    <p:set>
+                                      <p:cBhvr>
+                                        <p:cTn id="10" dur="1" fill="hold">
+                                          <p:stCondLst>
+                                            <p:cond delay="0"/>
+                                          </p:stCondLst>
+                                        </p:cTn>
+                                        <p:tgtEl>
+                                          <p:spTgt spid="3">
+                                            <p:txEl>
+                                              <p:pRg st="2" end="2"/>
+                                            </p:txEl>
+                                          </p:spTgt>
+                                        </p:tgtEl>
+                                        <p:attrNameLst>
+                                          <p:attrName>style.visibility</p:attrName>
+                                        </p:attrNameLst>
+                                      </p:cBhvr>
+                                      <p:to>
+                                        <p:strVal val="visible"/>
+                                      </p:to>
+                                    </p:set>
+                                  </p:childTnLst>
+                                </p:cTn>
+                              </p:par>
+                            </p:childTnLst>
+                          </p:cTn>
+                        </p:par>
+                      </p:childTnLst>
+                    </p:cTn>
+                  </p:par>
+                  <p:par>
+                    <p:cTn id="11" fill="hold">
+                      <p:stCondLst>
+                        <p:cond delay="indefinite"/>
+                      </p:stCondLst>
+                      <p:childTnLst>
+                        <p:par>
+                          <p:cTn id="12" fill="hold">
+                            <p:stCondLst>
+                              <p:cond delay="0"/>
+                            </p:stCondLst>
+                            <p:childTnLst>
+                              <p:par>
+                                <p:cTn id="13" presetID="1" presetClass="entr" presetSubtype="0" fill="hold" nodeType="clickEffect">
+                                  <p:stCondLst>
+                                    <p:cond delay="0"/>
+                                  </p:stCondLst>
+                                  <p:childTnLst>
+                                    <p:set>
+                                      <p:cBhvr>
+                                        <p:cTn id="14" dur="1" fill="hold">
+                                          <p:stCondLst>
+                                            <p:cond delay="0"/>
+                                          </p:stCondLst>
+                                        </p:cTn>
+                                        <p:tgtEl>
+                                          <p:spTgt spid="3">
+                                            <p:txEl>
+                                              <p:pRg st="3" end="3"/>
+                                            </p:txEl>
+                                          </p:spTgt>
+                                        </p:tgtEl>
+                                        <p:attrNameLst>
+                                          <p:attrName>style.visibility</p:attrName>
+                                        </p:attrNameLst>
+                                      </p:cBhvr>
+                                      <p:to>
+                                        <p:strVal val="visible"/>
+                                      </p:to>
+                                    </p:set>
+                                  </p:childTnLst>
+                                </p:cTn>
+                              </p:par>
+                            </p:childTnLst>
+                          </p:cTn>
+                        </p:par>
+                      </p:childTnLst>
+                    </p:cTn>
+                  </p:par>
+                  <p:par>
+                    <p:cTn id="15" fill="hold">
+                      <p:stCondLst>
+                        <p:cond delay="indefinite"/>
+                      </p:stCondLst>
+                      <p:childTnLst>
+                        <p:par>
+                          <p:cTn id="16" fill="hold">
+                            <p:stCondLst>
+                              <p:cond delay="0"/>
+                            </p:stCondLst>
+                            <p:childTnLst>
+                              <p:par>
+                                <p:cTn id="17" presetID="1" presetClass="entr" presetSubtype="0" fill="hold" nodeType="clickEffect">
+                                  <p:stCondLst>
+                                    <p:cond delay="0"/>
+                                  </p:stCondLst>
+                                  <p:childTnLst>
+                                    <p:set>
+                                      <p:cBhvr>
+                                        <p:cTn id="18" dur="1" fill="hold">
+                                          <p:stCondLst>
+                                            <p:cond delay="0"/>
+                                          </p:stCondLst>
+                                        </p:cTn>
+                                        <p:tgtEl>
+                                          <p:spTgt spid="3">
+                                            <p:txEl>
+                                              <p:pRg st="4" end="4"/>
+                                            </p:txEl>
+                                          </p:spTgt>
+                                        </p:tgtEl>
+                                        <p:attrNameLst>
+                                          <p:attrName>style.visibility</p:attrName>
+                                        </p:attrNameLst>
+                                      </p:cBhvr>
+                                      <p:to>
+                                        <p:strVal val="visible"/>
+                                      </p:to>
+                                    </p:set>
+                                  </p:childTnLst>
+                                </p:cTn>
+                              </p:par>
+                            </p:childTnLst>
+                          </p:cTn>
+                        </p:par>
+                      </p:childTnLst>
+                    </p:cTn>
+                  </p:par>
+                  <p:par>
+                    <p:cTn id="19" fill="hold">
+                      <p:stCondLst>
+                        <p:cond delay="indefinite"/>
+                      </p:stCondLst>
+                      <p:childTnLst>
+                        <p:par>
+                          <p:cTn id="20" fill="hold">
+                            <p:stCondLst>
+                              <p:cond delay="0"/>
+                            </p:stCondLst>
+                            <p:childTnLst>
+                              <p:par>
+                                <p:cTn id="21" presetID="1" presetClass="entr" presetSubtype="0" fill="hold" nodeType="clickEffect">
+                                  <p:stCondLst>
+                                    <p:cond delay="0"/>
+                                  </p:stCondLst>
+                                  <p:childTnLst>
+                                    <p:set>
+                                      <p:cBhvr>
+                                        <p:cTn id="22" dur="1" fill="hold">
+                                          <p:stCondLst>
+                                            <p:cond delay="0"/>
+                                          </p:stCondLst>
+                                        </p:cTn>
+                                        <p:tgtEl>
+                                          <p:spTgt spid="3">
+                                            <p:txEl>
+                                              <p:pRg st="5" end="5"/>
+                                            </p:txEl>
+                                          </p:spTgt>
+                                        </p:tgtEl>
+                                        <p:attrNameLst>
+                                          <p:attrName>style.visibility</p:attrName>
+                                        </p:attrNameLst>
+                                      </p:cBhvr>
+                                      <p:to>
+                                        <p:strVal val="visible"/>
+                                      </p:to>
+                                    </p:set>
+                                  </p:childTnLst>
+                                </p:cTn>
+                              </p:par>
+                            </p:childTnLst>
+                          </p:cTn>
+                        </p:par>
+                      </p:childTnLst>
+                    </p:cTn>
+                  </p:par>
+                  <p:par>
+                    <p:cTn id="23" fill="hold">
+                      <p:stCondLst>
+                        <p:cond delay="indefinite"/>
+                      </p:stCondLst>
+                      <p:childTnLst>
+                        <p:par>
+                          <p:cTn id="24" fill="hold">
+                            <p:stCondLst>
+                              <p:cond delay="0"/>
+                            </p:stCondLst>
+                            <p:childTnLst>
+                              <p:par>
+                                <p:cTn id="25" presetID="1" presetClass="entr" presetSubtype="0" fill="hold" nodeType="clickEffect">
+                                  <p:stCondLst>
+                                    <p:cond delay="0"/>
+                                  </p:stCondLst>
+                                  <p:childTnLst>
+                                    <p:set>
+                                      <p:cBhvr>
+                                        <p:cTn id="26" dur="1" fill="hold">
+                                          <p:stCondLst>
+                                            <p:cond delay="0"/>
+                                          </p:stCondLst>
+                                        </p:cTn>
+                                        <p:tgtEl>
+                                          <p:spTgt spid="3">
+                                            <p:txEl>
+                                              <p:pRg st="6" end="6"/>
+                                            </p:txEl>
+                                          </p:spTgt>
+                                        </p:tgtEl>
+                                        <p:attrNameLst>
+                                          <p:attrName>style.visibility</p:attrName>
+                                        </p:attrNameLst>
+                                      </p:cBhvr>
+                                      <p:to>
+                                        <p:strVal val="visible"/>
+                                      </p:to>
+                                    </p:set>
+                                  </p:childTnLst>
+                                </p:cTn>
+                              </p:par>
+                            </p:childTnLst>
+                          </p:cTn>
+                        </p:par>
+                      </p:childTnLst>
+                    </p:cTn>
+                  </p:par>
+                  <p:par>
+                    <p:cTn id="27" fill="hold">
+                      <p:stCondLst>
+                        <p:cond delay="indefinite"/>
+                      </p:stCondLst>
+                      <p:childTnLst>
+                        <p:par>
+                          <p:cTn id="28" fill="hold">
+                            <p:stCondLst>
+                              <p:cond delay="0"/>
+                            </p:stCondLst>
+                            <p:childTnLst>
+                              <p:par>
+                                <p:cTn id="29" presetID="1" presetClass="entr" presetSubtype="0" fill="hold" nodeType="clickEffect">
+                                  <p:stCondLst>
+                                    <p:cond delay="0"/>
+                                  </p:stCondLst>
+                                  <p:childTnLst>
+                                    <p:set>
+                                      <p:cBhvr>
+                                        <p:cTn id="30" dur="1" fill="hold">
+                                          <p:stCondLst>
+                                            <p:cond delay="0"/>
+                                          </p:stCondLst>
+                                        </p:cTn>
+                                        <p:tgtEl>
+                                          <p:spTgt spid="3">
+                                            <p:txEl>
+                                              <p:pRg st="7" end="7"/>
+                                            </p:txEl>
+                                          </p:spTgt>
+                                        </p:tgtEl>
+                                        <p:attrNameLst>
+                                          <p:attrName>style.visibility</p:attrName>
+                                        </p:attrNameLst>
+                                      </p:cBhvr>
+                                      <p:to>
+                                        <p:strVal val="visible"/>
+                                      </p:to>
+                                    </p:set>
+                                  </p:childTnLst>
+                                </p:cTn>
+                              </p:par>
+                            </p:childTnLst>
+                          </p:cTn>
+                        </p:par>
+                      </p:childTnLst>
+                    </p:cTn>
+                  </p:par>
+                </p:childTnLst>
+              </p:cTn>
+              <p:prevCondLst>
+                <p:cond evt="onPrev" delay="0">
+                  <p:tgtEl>
+                    <p:sldTgt/>
+                  </p:tgtEl>
+                </p:cond>
+              </p:prevCondLst>
+              <p:nextCondLst>
+                <p:cond evt="onNext" delay="0">
+                  <p:tgtEl>
+                    <p:sldTgt/>
+                  </p:tgtEl>
+                </p:cond>
+              </p:nextCondLst>
+            </p:seq>
+          </p:childTnLst>
+        </p:cTn>
+      </p:par>
+    </p:tnLst>
+  </p:timing>
 </p:sld>
 </file>
 
@@ -16882,8 +17633,8 @@
           <a:chExt cx="0" cy="0"/>
         </a:xfrm>
       </p:grpSpPr>
-      <mc:AlternateContent xmlns:mc="http://schemas.openxmlformats.org/markup-compatibility/2006">
-        <mc:Choice xmlns:a14="http://schemas.microsoft.com/office/drawing/2010/main" Requires="a14">
+      <mc:AlternateContent xmlns:mc="http://schemas.openxmlformats.org/markup-compatibility/2006" xmlns:a14="http://schemas.microsoft.com/office/drawing/2010/main">
+        <mc:Choice Requires="a14">
           <p:sp>
             <p:nvSpPr>
               <p:cNvPr id="2" name="Title 1">
@@ -16905,6 +17656,7 @@
               <a:bodyPr/>
               <a:lstStyle/>
               <a:p>
+                <a:pPr/>
                 <a14:m>
                   <m:oMathPara xmlns:m="http://schemas.openxmlformats.org/officeDocument/2006/math">
                     <m:oMathParaPr>
@@ -16944,7 +17696,7 @@
             </p:txBody>
           </p:sp>
         </mc:Choice>
-        <mc:Fallback>
+        <mc:Fallback xmlns="">
           <p:sp>
             <p:nvSpPr>
               <p:cNvPr id="2" name="Title 1">
@@ -16984,8 +17736,8 @@
           </p:sp>
         </mc:Fallback>
       </mc:AlternateContent>
-      <mc:AlternateContent xmlns:mc="http://schemas.openxmlformats.org/markup-compatibility/2006">
-        <mc:Choice xmlns:a14="http://schemas.microsoft.com/office/drawing/2010/main" Requires="a14">
+      <mc:AlternateContent xmlns:mc="http://schemas.openxmlformats.org/markup-compatibility/2006" xmlns:a14="http://schemas.microsoft.com/office/drawing/2010/main">
+        <mc:Choice Requires="a14">
           <p:sp>
             <p:nvSpPr>
               <p:cNvPr id="3" name="Content Placeholder 2">
@@ -17268,7 +18020,7 @@
             </p:txBody>
           </p:sp>
         </mc:Choice>
-        <mc:Fallback>
+        <mc:Fallback xmlns="">
           <p:sp>
             <p:nvSpPr>
               <p:cNvPr id="3" name="Content Placeholder 2">
@@ -17318,6 +18070,183 @@
   <p:clrMapOvr>
     <a:masterClrMapping/>
   </p:clrMapOvr>
+  <p:timing>
+    <p:tnLst>
+      <p:par>
+        <p:cTn id="1" dur="indefinite" restart="never" nodeType="tmRoot">
+          <p:childTnLst>
+            <p:seq concurrent="1" nextAc="seek">
+              <p:cTn id="2" dur="indefinite" nodeType="mainSeq">
+                <p:childTnLst>
+                  <p:par>
+                    <p:cTn id="3" fill="hold">
+                      <p:stCondLst>
+                        <p:cond delay="indefinite"/>
+                      </p:stCondLst>
+                      <p:childTnLst>
+                        <p:par>
+                          <p:cTn id="4" fill="hold">
+                            <p:stCondLst>
+                              <p:cond delay="0"/>
+                            </p:stCondLst>
+                            <p:childTnLst>
+                              <p:par>
+                                <p:cTn id="5" presetID="1" presetClass="entr" presetSubtype="0" fill="hold" nodeType="clickEffect">
+                                  <p:stCondLst>
+                                    <p:cond delay="0"/>
+                                  </p:stCondLst>
+                                  <p:childTnLst>
+                                    <p:set>
+                                      <p:cBhvr>
+                                        <p:cTn id="6" dur="1" fill="hold">
+                                          <p:stCondLst>
+                                            <p:cond delay="0"/>
+                                          </p:stCondLst>
+                                        </p:cTn>
+                                        <p:tgtEl>
+                                          <p:spTgt spid="3">
+                                            <p:txEl>
+                                              <p:pRg st="1" end="1"/>
+                                            </p:txEl>
+                                          </p:spTgt>
+                                        </p:tgtEl>
+                                        <p:attrNameLst>
+                                          <p:attrName>style.visibility</p:attrName>
+                                        </p:attrNameLst>
+                                      </p:cBhvr>
+                                      <p:to>
+                                        <p:strVal val="visible"/>
+                                      </p:to>
+                                    </p:set>
+                                  </p:childTnLst>
+                                </p:cTn>
+                              </p:par>
+                            </p:childTnLst>
+                          </p:cTn>
+                        </p:par>
+                      </p:childTnLst>
+                    </p:cTn>
+                  </p:par>
+                  <p:par>
+                    <p:cTn id="7" fill="hold">
+                      <p:stCondLst>
+                        <p:cond delay="indefinite"/>
+                      </p:stCondLst>
+                      <p:childTnLst>
+                        <p:par>
+                          <p:cTn id="8" fill="hold">
+                            <p:stCondLst>
+                              <p:cond delay="0"/>
+                            </p:stCondLst>
+                            <p:childTnLst>
+                              <p:par>
+                                <p:cTn id="9" presetID="1" presetClass="entr" presetSubtype="0" fill="hold" nodeType="clickEffect">
+                                  <p:stCondLst>
+                                    <p:cond delay="0"/>
+                                  </p:stCondLst>
+                                  <p:childTnLst>
+                                    <p:set>
+                                      <p:cBhvr>
+                                        <p:cTn id="10" dur="1" fill="hold">
+                                          <p:stCondLst>
+                                            <p:cond delay="0"/>
+                                          </p:stCondLst>
+                                        </p:cTn>
+                                        <p:tgtEl>
+                                          <p:spTgt spid="3">
+                                            <p:txEl>
+                                              <p:pRg st="2" end="2"/>
+                                            </p:txEl>
+                                          </p:spTgt>
+                                        </p:tgtEl>
+                                        <p:attrNameLst>
+                                          <p:attrName>style.visibility</p:attrName>
+                                        </p:attrNameLst>
+                                      </p:cBhvr>
+                                      <p:to>
+                                        <p:strVal val="visible"/>
+                                      </p:to>
+                                    </p:set>
+                                  </p:childTnLst>
+                                </p:cTn>
+                              </p:par>
+                            </p:childTnLst>
+                          </p:cTn>
+                        </p:par>
+                      </p:childTnLst>
+                    </p:cTn>
+                  </p:par>
+                  <p:par>
+                    <p:cTn id="11" fill="hold">
+                      <p:stCondLst>
+                        <p:cond delay="indefinite"/>
+                      </p:stCondLst>
+                      <p:childTnLst>
+                        <p:par>
+                          <p:cTn id="12" fill="hold">
+                            <p:stCondLst>
+                              <p:cond delay="0"/>
+                            </p:stCondLst>
+                            <p:childTnLst>
+                              <p:par>
+                                <p:cTn id="13" presetID="1" presetClass="entr" presetSubtype="0" fill="hold" nodeType="clickEffect">
+                                  <p:stCondLst>
+                                    <p:cond delay="0"/>
+                                  </p:stCondLst>
+                                  <p:childTnLst>
+                                    <p:set>
+                                      <p:cBhvr>
+                                        <p:cTn id="14" dur="1" fill="hold">
+                                          <p:stCondLst>
+                                            <p:cond delay="0"/>
+                                          </p:stCondLst>
+                                        </p:cTn>
+                                        <p:tgtEl>
+                                          <p:spTgt spid="3">
+                                            <p:txEl>
+                                              <p:pRg st="3" end="3"/>
+                                            </p:txEl>
+                                          </p:spTgt>
+                                        </p:tgtEl>
+                                        <p:attrNameLst>
+                                          <p:attrName>style.visibility</p:attrName>
+                                        </p:attrNameLst>
+                                      </p:cBhvr>
+                                      <p:to>
+                                        <p:strVal val="visible"/>
+                                      </p:to>
+                                    </p:set>
+                                  </p:childTnLst>
+                                </p:cTn>
+                              </p:par>
+                            </p:childTnLst>
+                          </p:cTn>
+                        </p:par>
+                      </p:childTnLst>
+                    </p:cTn>
+                  </p:par>
+                </p:childTnLst>
+              </p:cTn>
+              <p:prevCondLst>
+                <p:cond evt="onPrev" delay="0">
+                  <p:tgtEl>
+                    <p:sldTgt/>
+                  </p:tgtEl>
+                </p:cond>
+              </p:prevCondLst>
+              <p:nextCondLst>
+                <p:cond evt="onNext" delay="0">
+                  <p:tgtEl>
+                    <p:sldTgt/>
+                  </p:tgtEl>
+                </p:cond>
+              </p:nextCondLst>
+            </p:seq>
+          </p:childTnLst>
+        </p:cTn>
+      </p:par>
+    </p:tnLst>
+  </p:timing>
 </p:sld>
 </file>
 
@@ -18372,8 +19301,8 @@
           </a:fontRef>
         </p:style>
       </p:cxnSp>
-      <mc:AlternateContent xmlns:mc="http://schemas.openxmlformats.org/markup-compatibility/2006">
-        <mc:Choice xmlns:a14="http://schemas.microsoft.com/office/drawing/2010/main" Requires="a14">
+      <mc:AlternateContent xmlns:mc="http://schemas.openxmlformats.org/markup-compatibility/2006" xmlns:a14="http://schemas.microsoft.com/office/drawing/2010/main">
+        <mc:Choice Requires="a14">
           <p:sp>
             <p:nvSpPr>
               <p:cNvPr id="21" name="TextBox 20">
@@ -18402,6 +19331,7 @@
               </a:bodyPr>
               <a:lstStyle/>
               <a:p>
+                <a:pPr/>
                 <a14:m>
                   <m:oMathPara xmlns:m="http://schemas.openxmlformats.org/officeDocument/2006/math">
                     <m:oMathParaPr>
@@ -18570,7 +19500,7 @@
             </p:txBody>
           </p:sp>
         </mc:Choice>
-        <mc:Fallback>
+        <mc:Fallback xmlns="">
           <p:sp>
             <p:nvSpPr>
               <p:cNvPr id="21" name="TextBox 20">
@@ -18645,8 +19575,8 @@
           <a:chExt cx="0" cy="0"/>
         </a:xfrm>
       </p:grpSpPr>
-      <mc:AlternateContent xmlns:mc="http://schemas.openxmlformats.org/markup-compatibility/2006">
-        <mc:Choice xmlns:a14="http://schemas.microsoft.com/office/drawing/2010/main" Requires="a14">
+      <mc:AlternateContent xmlns:mc="http://schemas.openxmlformats.org/markup-compatibility/2006" xmlns:a14="http://schemas.microsoft.com/office/drawing/2010/main">
+        <mc:Choice Requires="a14">
           <p:graphicFrame>
             <p:nvGraphicFramePr>
               <p:cNvPr id="10" name="Table 10">
@@ -18732,6 +19662,7 @@
                         <a:bodyPr/>
                         <a:lstStyle/>
                         <a:p>
+                          <a:pPr/>
                           <a14:m>
                             <m:oMathPara xmlns:m="http://schemas.openxmlformats.org/officeDocument/2006/math">
                               <m:oMathParaPr>
@@ -19242,7 +20173,7 @@
             </a:graphic>
           </p:graphicFrame>
         </mc:Choice>
-        <mc:Fallback>
+        <mc:Fallback xmlns="">
           <p:graphicFrame>
             <p:nvGraphicFramePr>
               <p:cNvPr id="10" name="Table 10">
@@ -19807,8 +20738,8 @@
           </a:graphicData>
         </a:graphic>
       </p:graphicFrame>
-      <mc:AlternateContent xmlns:mc="http://schemas.openxmlformats.org/markup-compatibility/2006">
-        <mc:Choice xmlns:a14="http://schemas.microsoft.com/office/drawing/2010/main" Requires="a14">
+      <mc:AlternateContent xmlns:mc="http://schemas.openxmlformats.org/markup-compatibility/2006" xmlns:a14="http://schemas.microsoft.com/office/drawing/2010/main">
+        <mc:Choice Requires="a14">
           <p:sp>
             <p:nvSpPr>
               <p:cNvPr id="16" name="TextBox 15">
@@ -19877,7 +20808,7 @@
             </p:txBody>
           </p:sp>
         </mc:Choice>
-        <mc:Fallback>
+        <mc:Fallback xmlns="">
           <p:sp>
             <p:nvSpPr>
               <p:cNvPr id="16" name="TextBox 15">
@@ -19965,8 +20896,8 @@
           </a:fontRef>
         </p:style>
       </p:cxnSp>
-      <mc:AlternateContent xmlns:mc="http://schemas.openxmlformats.org/markup-compatibility/2006">
-        <mc:Choice xmlns:a14="http://schemas.microsoft.com/office/drawing/2010/main" Requires="a14">
+      <mc:AlternateContent xmlns:mc="http://schemas.openxmlformats.org/markup-compatibility/2006" xmlns:a14="http://schemas.microsoft.com/office/drawing/2010/main">
+        <mc:Choice Requires="a14">
           <p:sp>
             <p:nvSpPr>
               <p:cNvPr id="21" name="TextBox 20">
@@ -19995,6 +20926,7 @@
               </a:bodyPr>
               <a:lstStyle/>
               <a:p>
+                <a:pPr/>
                 <a14:m>
                   <m:oMathPara xmlns:m="http://schemas.openxmlformats.org/officeDocument/2006/math">
                     <m:oMathParaPr>
@@ -20163,7 +21095,7 @@
             </p:txBody>
           </p:sp>
         </mc:Choice>
-        <mc:Fallback>
+        <mc:Fallback xmlns="">
           <p:sp>
             <p:nvSpPr>
               <p:cNvPr id="21" name="TextBox 20">
@@ -20247,8 +21179,8 @@
           </a:p>
         </p:txBody>
       </p:sp>
-      <mc:AlternateContent xmlns:mc="http://schemas.openxmlformats.org/markup-compatibility/2006">
-        <mc:Choice xmlns:a14="http://schemas.microsoft.com/office/drawing/2010/main" Requires="a14">
+      <mc:AlternateContent xmlns:mc="http://schemas.openxmlformats.org/markup-compatibility/2006" xmlns:a14="http://schemas.microsoft.com/office/drawing/2010/main">
+        <mc:Choice Requires="a14">
           <p:sp>
             <p:nvSpPr>
               <p:cNvPr id="5" name="Rectangle 4">
@@ -20276,6 +21208,7 @@
               </a:bodyPr>
               <a:lstStyle/>
               <a:p>
+                <a:pPr/>
                 <a14:m>
                   <m:oMathPara xmlns:m="http://schemas.openxmlformats.org/officeDocument/2006/math">
                     <m:oMathParaPr>
@@ -20331,7 +21264,7 @@
             </p:txBody>
           </p:sp>
         </mc:Choice>
-        <mc:Fallback>
+        <mc:Fallback xmlns="">
           <p:sp>
             <p:nvSpPr>
               <p:cNvPr id="5" name="Rectangle 4">
@@ -20406,8 +21339,8 @@
           <a:chExt cx="0" cy="0"/>
         </a:xfrm>
       </p:grpSpPr>
-      <mc:AlternateContent xmlns:mc="http://schemas.openxmlformats.org/markup-compatibility/2006">
-        <mc:Choice xmlns:a14="http://schemas.microsoft.com/office/drawing/2010/main" Requires="a14">
+      <mc:AlternateContent xmlns:mc="http://schemas.openxmlformats.org/markup-compatibility/2006" xmlns:a14="http://schemas.microsoft.com/office/drawing/2010/main">
+        <mc:Choice Requires="a14">
           <p:graphicFrame>
             <p:nvGraphicFramePr>
               <p:cNvPr id="10" name="Table 10">
@@ -20487,6 +21420,7 @@
                         <a:bodyPr/>
                         <a:lstStyle/>
                         <a:p>
+                          <a:pPr/>
                           <a14:m>
                             <m:oMathPara xmlns:m="http://schemas.openxmlformats.org/officeDocument/2006/math">
                               <m:oMathParaPr>
@@ -20997,7 +21931,7 @@
             </a:graphic>
           </p:graphicFrame>
         </mc:Choice>
-        <mc:Fallback>
+        <mc:Fallback xmlns="">
           <p:graphicFrame>
             <p:nvGraphicFramePr>
               <p:cNvPr id="10" name="Table 10">
@@ -21551,8 +22485,8 @@
           </a:graphicData>
         </a:graphic>
       </p:graphicFrame>
-      <mc:AlternateContent xmlns:mc="http://schemas.openxmlformats.org/markup-compatibility/2006">
-        <mc:Choice xmlns:a14="http://schemas.microsoft.com/office/drawing/2010/main" Requires="a14">
+      <mc:AlternateContent xmlns:mc="http://schemas.openxmlformats.org/markup-compatibility/2006" xmlns:a14="http://schemas.microsoft.com/office/drawing/2010/main">
+        <mc:Choice Requires="a14">
           <p:sp>
             <p:nvSpPr>
               <p:cNvPr id="16" name="TextBox 15">
@@ -21621,7 +22555,7 @@
             </p:txBody>
           </p:sp>
         </mc:Choice>
-        <mc:Fallback>
+        <mc:Fallback xmlns="">
           <p:sp>
             <p:nvSpPr>
               <p:cNvPr id="16" name="TextBox 15">
@@ -21709,8 +22643,8 @@
           </a:fontRef>
         </p:style>
       </p:cxnSp>
-      <mc:AlternateContent xmlns:mc="http://schemas.openxmlformats.org/markup-compatibility/2006">
-        <mc:Choice xmlns:a14="http://schemas.microsoft.com/office/drawing/2010/main" Requires="a14">
+      <mc:AlternateContent xmlns:mc="http://schemas.openxmlformats.org/markup-compatibility/2006" xmlns:a14="http://schemas.microsoft.com/office/drawing/2010/main">
+        <mc:Choice Requires="a14">
           <p:sp>
             <p:nvSpPr>
               <p:cNvPr id="21" name="TextBox 20">
@@ -21739,6 +22673,7 @@
               </a:bodyPr>
               <a:lstStyle/>
               <a:p>
+                <a:pPr/>
                 <a14:m>
                   <m:oMathPara xmlns:m="http://schemas.openxmlformats.org/officeDocument/2006/math">
                     <m:oMathParaPr>
@@ -21857,7 +22792,7 @@
             </p:txBody>
           </p:sp>
         </mc:Choice>
-        <mc:Fallback>
+        <mc:Fallback xmlns="">
           <p:sp>
             <p:nvSpPr>
               <p:cNvPr id="21" name="TextBox 20">
@@ -21941,8 +22876,8 @@
           </a:p>
         </p:txBody>
       </p:sp>
-      <mc:AlternateContent xmlns:mc="http://schemas.openxmlformats.org/markup-compatibility/2006">
-        <mc:Choice xmlns:a14="http://schemas.microsoft.com/office/drawing/2010/main" Requires="a14">
+      <mc:AlternateContent xmlns:mc="http://schemas.openxmlformats.org/markup-compatibility/2006" xmlns:a14="http://schemas.microsoft.com/office/drawing/2010/main">
+        <mc:Choice Requires="a14">
           <p:sp>
             <p:nvSpPr>
               <p:cNvPr id="5" name="Rectangle 4">
@@ -21970,6 +22905,7 @@
               </a:bodyPr>
               <a:lstStyle/>
               <a:p>
+                <a:pPr/>
                 <a14:m>
                   <m:oMathPara xmlns:m="http://schemas.openxmlformats.org/officeDocument/2006/math">
                     <m:oMathParaPr>
@@ -22025,7 +22961,7 @@
             </p:txBody>
           </p:sp>
         </mc:Choice>
-        <mc:Fallback>
+        <mc:Fallback xmlns="">
           <p:sp>
             <p:nvSpPr>
               <p:cNvPr id="5" name="Rectangle 4">
